--- a/ppt/MachineLearning13-ScikitLearn.pptx
+++ b/ppt/MachineLearning13-ScikitLearn.pptx
@@ -3707,14 +3707,9 @@
           <a:p>
             <a:pPr eaLnBrk="1" hangingPunct="1"/>
             <a:r>
-              <a:rPr lang="fr-FR" altLang="fr-FR" smtClean="0"/>
-              <a:t>Chapitre </a:t>
-            </a:r>
-            <a:r>
-              <a:rPr lang="fr-FR" altLang="fr-FR" smtClean="0"/>
-              <a:t>13</a:t>
-            </a:r>
-            <a:endParaRPr lang="fr-FR" altLang="fr-FR" dirty="0" smtClean="0"/>
+              <a:rPr lang="fr-FR" altLang="fr-FR" dirty="0" smtClean="0"/>
+              <a:t>Chapitre 7</a:t>
+            </a:r>
           </a:p>
         </p:txBody>
       </p:sp>
@@ -5681,6 +5676,7 @@
               <a:rPr lang="fr-FR" dirty="0"/>
               <a:t>Régression non-polynomiale</a:t>
             </a:r>
+            <a:endParaRPr lang="fr-FR" dirty="0"/>
           </a:p>
         </p:txBody>
       </p:sp>
